--- a/Presentation_M2M.pptx
+++ b/Presentation_M2M.pptx
@@ -4702,7 +4702,7 @@
           <a:lstStyle/>
           <a:p>
             <a:r>
-              <a:rPr lang="bg-BG" smtClean="0"/>
+              <a:rPr lang="bg-BG" dirty="0" smtClean="0"/>
               <a:t>Реализацията</a:t>
             </a:r>
             <a:endParaRPr lang="en-US" dirty="0"/>
@@ -4795,8 +4795,8 @@
               <a:t>2</a:t>
             </a:r>
             <a:r>
-              <a:rPr lang="en-US" sz="4000" smtClean="0"/>
-              <a:t>4</a:t>
+              <a:rPr lang="en-US" sz="4000" dirty="0" smtClean="0"/>
+              <a:t>6</a:t>
             </a:r>
             <a:r>
               <a:rPr lang="bg-BG" sz="4000" smtClean="0"/>
